--- a/Presentation/Glove.pptx
+++ b/Presentation/Glove.pptx
@@ -8,9 +8,12 @@
     <p:sldId id="256" r:id="rId2"/>
     <p:sldId id="258" r:id="rId3"/>
     <p:sldId id="257" r:id="rId4"/>
-    <p:sldId id="259" r:id="rId5"/>
-    <p:sldId id="261" r:id="rId6"/>
-    <p:sldId id="263" r:id="rId7"/>
+    <p:sldId id="261" r:id="rId5"/>
+    <p:sldId id="264" r:id="rId6"/>
+    <p:sldId id="265" r:id="rId7"/>
+    <p:sldId id="266" r:id="rId8"/>
+    <p:sldId id="267" r:id="rId9"/>
+    <p:sldId id="263" r:id="rId10"/>
   </p:sldIdLst>
   <p:sldSz cx="12192000" cy="6858000"/>
   <p:notesSz cx="6858000" cy="9144000"/>
@@ -120,6 +123,7 @@
 <file path=ppt/revisionInfo.xml><?xml version="1.0" encoding="utf-8"?>
 <p1510:revInfo xmlns:a="http://schemas.openxmlformats.org/drawingml/2006/main" xmlns:r="http://schemas.openxmlformats.org/officeDocument/2006/relationships" xmlns:p1510="http://schemas.microsoft.com/office/powerpoint/2015/10/main">
   <p1510:revLst>
+    <p1510:client id="{3CACC119-FEE2-A548-711D-2AAD89DDF59F}" v="533" dt="2021-04-22T13:04:45.591"/>
     <p1510:client id="{78917375-9A2B-6CBC-AA09-45873A36121F}" v="140" dt="2021-04-20T02:59:31.270"/>
     <p1510:client id="{B19C9E04-195D-B128-F603-890884841FF4}" v="98" dt="2021-04-20T02:49:19.725"/>
   </p1510:revLst>
@@ -310,7 +314,7 @@
           <a:p>
             <a:fld id="{4AAD347D-5ACD-4C99-B74B-A9C85AD731AF}" type="datetimeFigureOut">
               <a:rPr lang="en-US" dirty="0"/>
-              <a:t>4/19/2021</a:t>
+              <a:t>4/22/2021</a:t>
             </a:fld>
             <a:endParaRPr lang="en-US"/>
           </a:p>
@@ -578,7 +582,7 @@
           <a:p>
             <a:fld id="{4509A250-FF31-4206-8172-F9D3106AACB1}" type="datetimeFigureOut">
               <a:rPr lang="en-US" dirty="0"/>
-              <a:t>4/19/2021</a:t>
+              <a:t>4/22/2021</a:t>
             </a:fld>
             <a:endParaRPr lang="en-US"/>
           </a:p>
@@ -766,7 +770,7 @@
           <a:p>
             <a:fld id="{4509A250-FF31-4206-8172-F9D3106AACB1}" type="datetimeFigureOut">
               <a:rPr lang="en-US" dirty="0"/>
-              <a:t>4/19/2021</a:t>
+              <a:t>4/22/2021</a:t>
             </a:fld>
             <a:endParaRPr lang="en-US"/>
           </a:p>
@@ -1033,7 +1037,7 @@
           <a:p>
             <a:fld id="{4509A250-FF31-4206-8172-F9D3106AACB1}" type="datetimeFigureOut">
               <a:rPr lang="en-US" dirty="0"/>
-              <a:t>4/19/2021</a:t>
+              <a:t>4/22/2021</a:t>
             </a:fld>
             <a:endParaRPr lang="en-US"/>
           </a:p>
@@ -1368,7 +1372,7 @@
           <a:p>
             <a:fld id="{4509A250-FF31-4206-8172-F9D3106AACB1}" type="datetimeFigureOut">
               <a:rPr lang="en-US" dirty="0"/>
-              <a:t>4/19/2021</a:t>
+              <a:t>4/22/2021</a:t>
             </a:fld>
             <a:endParaRPr lang="en-US"/>
           </a:p>
@@ -1985,7 +1989,7 @@
           <a:p>
             <a:fld id="{4509A250-FF31-4206-8172-F9D3106AACB1}" type="datetimeFigureOut">
               <a:rPr lang="en-US" dirty="0"/>
-              <a:t>4/19/2021</a:t>
+              <a:t>4/22/2021</a:t>
             </a:fld>
             <a:endParaRPr lang="en-US"/>
           </a:p>
@@ -2836,7 +2840,7 @@
           <a:p>
             <a:fld id="{4509A250-FF31-4206-8172-F9D3106AACB1}" type="datetimeFigureOut">
               <a:rPr lang="en-US" dirty="0"/>
-              <a:t>4/19/2021</a:t>
+              <a:t>4/22/2021</a:t>
             </a:fld>
             <a:endParaRPr lang="en-US"/>
           </a:p>
@@ -2999,7 +3003,7 @@
           <a:p>
             <a:fld id="{4509A250-FF31-4206-8172-F9D3106AACB1}" type="datetimeFigureOut">
               <a:rPr lang="en-US" dirty="0"/>
-              <a:t>4/19/2021</a:t>
+              <a:t>4/22/2021</a:t>
             </a:fld>
             <a:endParaRPr lang="en-US"/>
           </a:p>
@@ -3172,7 +3176,7 @@
           <a:p>
             <a:fld id="{4509A250-FF31-4206-8172-F9D3106AACB1}" type="datetimeFigureOut">
               <a:rPr lang="en-US" dirty="0"/>
-              <a:t>4/19/2021</a:t>
+              <a:t>4/22/2021</a:t>
             </a:fld>
             <a:endParaRPr lang="en-US"/>
           </a:p>
@@ -3335,7 +3339,7 @@
           <a:p>
             <a:fld id="{4509A250-FF31-4206-8172-F9D3106AACB1}" type="datetimeFigureOut">
               <a:rPr lang="en-US" dirty="0"/>
-              <a:t>4/19/2021</a:t>
+              <a:t>4/22/2021</a:t>
             </a:fld>
             <a:endParaRPr lang="en-US"/>
           </a:p>
@@ -3576,7 +3580,7 @@
           <a:p>
             <a:fld id="{9796027F-7875-4030-9381-8BD8C4F21935}" type="datetimeFigureOut">
               <a:rPr lang="en-US" dirty="0"/>
-              <a:t>4/19/2021</a:t>
+              <a:t>4/22/2021</a:t>
             </a:fld>
             <a:endParaRPr lang="en-US"/>
           </a:p>
@@ -3860,7 +3864,7 @@
           <a:p>
             <a:fld id="{9796027F-7875-4030-9381-8BD8C4F21935}" type="datetimeFigureOut">
               <a:rPr lang="en-US" dirty="0"/>
-              <a:t>4/19/2021</a:t>
+              <a:t>4/22/2021</a:t>
             </a:fld>
             <a:endParaRPr lang="en-US"/>
           </a:p>
@@ -4296,7 +4300,7 @@
           <a:p>
             <a:fld id="{9796027F-7875-4030-9381-8BD8C4F21935}" type="datetimeFigureOut">
               <a:rPr lang="en-US" dirty="0"/>
-              <a:t>4/19/2021</a:t>
+              <a:t>4/22/2021</a:t>
             </a:fld>
             <a:endParaRPr lang="en-US"/>
           </a:p>
@@ -4408,7 +4412,7 @@
           <a:p>
             <a:fld id="{4509A250-FF31-4206-8172-F9D3106AACB1}" type="datetimeFigureOut">
               <a:rPr lang="en-US" dirty="0"/>
-              <a:t>4/19/2021</a:t>
+              <a:t>4/22/2021</a:t>
             </a:fld>
             <a:endParaRPr lang="en-US"/>
           </a:p>
@@ -4498,7 +4502,7 @@
           <a:p>
             <a:fld id="{4509A250-FF31-4206-8172-F9D3106AACB1}" type="datetimeFigureOut">
               <a:rPr lang="en-US" dirty="0"/>
-              <a:t>4/19/2021</a:t>
+              <a:t>4/22/2021</a:t>
             </a:fld>
             <a:endParaRPr lang="en-US"/>
           </a:p>
@@ -4770,7 +4774,7 @@
           <a:p>
             <a:fld id="{4509A250-FF31-4206-8172-F9D3106AACB1}" type="datetimeFigureOut">
               <a:rPr lang="en-US" dirty="0"/>
-              <a:t>4/19/2021</a:t>
+              <a:t>4/22/2021</a:t>
             </a:fld>
             <a:endParaRPr lang="en-US"/>
           </a:p>
@@ -5038,7 +5042,7 @@
           <a:p>
             <a:fld id="{4509A250-FF31-4206-8172-F9D3106AACB1}" type="datetimeFigureOut">
               <a:rPr lang="en-US" dirty="0"/>
-              <a:t>4/19/2021</a:t>
+              <a:t>4/22/2021</a:t>
             </a:fld>
             <a:endParaRPr lang="en-US"/>
           </a:p>
@@ -5460,7 +5464,7 @@
           <a:p>
             <a:fld id="{4AAD347D-5ACD-4C99-B74B-A9C85AD731AF}" type="datetimeFigureOut">
               <a:rPr lang="en-US" dirty="0"/>
-              <a:t>4/19/2021</a:t>
+              <a:t>4/22/2021</a:t>
             </a:fld>
             <a:endParaRPr lang="en-US"/>
           </a:p>
@@ -6000,15 +6004,31 @@
             <p:ph type="ctrTitle"/>
           </p:nvPr>
         </p:nvSpPr>
-        <p:spPr/>
+        <p:spPr>
+          <a:xfrm>
+            <a:off x="277769" y="1447800"/>
+            <a:ext cx="11457216" cy="2647326"/>
+          </a:xfrm>
+        </p:spPr>
         <p:txBody>
           <a:bodyPr/>
           <a:lstStyle/>
           <a:p>
             <a:r>
-              <a:rPr lang="en-IN"/>
-              <a:t>Glove</a:t>
-            </a:r>
+              <a:rPr lang="en-IN" sz="4800" dirty="0" err="1">
+                <a:ea typeface="+mj-lt"/>
+                <a:cs typeface="+mj-lt"/>
+              </a:rPr>
+              <a:t>GloVe</a:t>
+            </a:r>
+            <a:r>
+              <a:rPr lang="en-IN" sz="4800" dirty="0">
+                <a:ea typeface="+mj-lt"/>
+                <a:cs typeface="+mj-lt"/>
+              </a:rPr>
+              <a:t>: Global Vectors for Word Representation</a:t>
+            </a:r>
+            <a:endParaRPr lang="en-US" sz="4800" dirty="0"/>
           </a:p>
         </p:txBody>
       </p:sp>
@@ -6028,7 +6048,12 @@
             <p:ph type="subTitle" idx="1"/>
           </p:nvPr>
         </p:nvSpPr>
-        <p:spPr/>
+        <p:spPr>
+          <a:xfrm>
+            <a:off x="7756001" y="4777380"/>
+            <a:ext cx="2224612" cy="861420"/>
+          </a:xfrm>
+        </p:spPr>
         <p:txBody>
           <a:bodyPr/>
           <a:lstStyle/>
@@ -6094,13 +6119,17 @@
         </p:nvSpPr>
         <p:spPr/>
         <p:txBody>
-          <a:bodyPr/>
-          <a:lstStyle/>
-          <a:p>
-            <a:r>
-              <a:rPr lang="en-IN"/>
-              <a:t>Count Based Model</a:t>
-            </a:r>
+          <a:bodyPr vert="horz" lIns="91440" tIns="45720" rIns="91440" bIns="45720" rtlCol="0" anchor="ctr">
+            <a:noAutofit/>
+          </a:bodyPr>
+          <a:lstStyle/>
+          <a:p>
+            <a:pPr algn="ctr"/>
+            <a:r>
+              <a:rPr lang="en-IN" dirty="0"/>
+              <a:t>Introduction</a:t>
+            </a:r>
+            <a:endParaRPr lang="en-US" dirty="0"/>
           </a:p>
         </p:txBody>
       </p:sp>
@@ -6128,9 +6157,20 @@
           <a:lstStyle/>
           <a:p>
             <a:r>
-              <a:rPr lang="en-US"/>
-              <a:t>Learn vectors by doing dimensionality reduction on a co-occurrence counts matrix</a:t>
-            </a:r>
+              <a:rPr lang="en-US" dirty="0" err="1">
+                <a:ea typeface="+mj-lt"/>
+                <a:cs typeface="+mj-lt"/>
+              </a:rPr>
+              <a:t>GloVe</a:t>
+            </a:r>
+            <a:r>
+              <a:rPr lang="en-US" dirty="0">
+                <a:ea typeface="+mj-lt"/>
+                <a:cs typeface="+mj-lt"/>
+              </a:rPr>
+              <a:t> is an unsupervised learning algorithm for obtaining vector representations for words</a:t>
+            </a:r>
+            <a:endParaRPr lang="en-US" dirty="0"/>
           </a:p>
           <a:p>
             <a:pPr>
@@ -6139,13 +6179,13 @@
               </a:buClr>
             </a:pPr>
             <a:r>
-              <a:rPr lang="en-US">
+              <a:rPr lang="en-US" dirty="0">
                 <a:ea typeface="+mj-lt"/>
                 <a:cs typeface="+mj-lt"/>
               </a:rPr>
-              <a:t>First, they construct a large matrix of co-occurrence information, which contains the information on how frequently each “word” (stored in rows), is seen in some “context” (the columns).</a:t>
-            </a:r>
-            <a:endParaRPr lang="en-US"/>
+              <a:t>Training is performed on aggregated global word-word co-occurrence statistics from a corpus</a:t>
+            </a:r>
+            <a:endParaRPr lang="en-US" dirty="0"/>
           </a:p>
           <a:p>
             <a:pPr>
@@ -6154,30 +6194,23 @@
               </a:buClr>
             </a:pPr>
             <a:r>
-              <a:rPr lang="en-US">
+              <a:rPr lang="en-US" dirty="0">
                 <a:ea typeface="+mj-lt"/>
                 <a:cs typeface="+mj-lt"/>
               </a:rPr>
-              <a:t>Afterwards they factorize this matrix to yield a lower-dimensional matrix of words and features, where each row yields a vector representation for each word</a:t>
-            </a:r>
-            <a:endParaRPr lang="en-US"/>
+              <a:t>Resulting representations showcase interesting linear substructures of the word vector space.</a:t>
+            </a:r>
+            <a:endParaRPr lang="en-US" dirty="0"/>
           </a:p>
           <a:p>
             <a:pPr>
               <a:buClr>
-                <a:srgbClr val="8AD0D6"/>
+                <a:srgbClr val="1E5155">
+                  <a:lumMod val="40000"/>
+                  <a:lumOff val="60000"/>
+                </a:srgbClr>
               </a:buClr>
             </a:pPr>
-            <a:r>
-              <a:rPr lang="en-US">
-                <a:ea typeface="+mj-lt"/>
-                <a:cs typeface="+mj-lt"/>
-              </a:rPr>
-              <a:t>In the case of Glove, the counts matrix is preprocessed by normalizing the counts and log-smoothing them.</a:t>
-            </a:r>
-            <a:endParaRPr lang="en-US"/>
-          </a:p>
-          <a:p>
             <a:endParaRPr lang="en-IN"/>
           </a:p>
         </p:txBody>
@@ -6230,13 +6263,17 @@
         </p:nvSpPr>
         <p:spPr/>
         <p:txBody>
-          <a:bodyPr/>
-          <a:lstStyle/>
-          <a:p>
-            <a:r>
-              <a:rPr lang="en-IN"/>
-              <a:t>Glove Introduction</a:t>
-            </a:r>
+          <a:bodyPr vert="horz" lIns="91440" tIns="45720" rIns="91440" bIns="45720" rtlCol="0" anchor="ctr">
+            <a:noAutofit/>
+          </a:bodyPr>
+          <a:lstStyle/>
+          <a:p>
+            <a:pPr algn="ctr"/>
+            <a:r>
+              <a:rPr lang="en-IN" dirty="0"/>
+              <a:t>Model Overview</a:t>
+            </a:r>
+            <a:endParaRPr lang="en-US"/>
           </a:p>
         </p:txBody>
       </p:sp>
@@ -6263,28 +6300,103 @@
           </a:bodyPr>
           <a:lstStyle/>
           <a:p>
-            <a:r>
-              <a:rPr lang="en-US"/>
-              <a:t>Unsupervised learning algorithm for obtaining vector representations for words</a:t>
-            </a:r>
-          </a:p>
-          <a:p>
-            <a:r>
-              <a:rPr lang="en-US"/>
-              <a:t>Learns vectors or words from their co-occurrence information, i.e., how frequently they appear together in large text corpora</a:t>
-            </a:r>
-          </a:p>
-          <a:p>
-            <a:r>
-              <a:rPr lang="en-US"/>
-              <a:t> word2vec is a predictive model — a feed-forward neural network that learns vectors to improve the predictive ability, Glove is a count-based model.</a:t>
-            </a:r>
-          </a:p>
-          <a:p>
-            <a:endParaRPr lang="en-IN"/>
-          </a:p>
-        </p:txBody>
-      </p:sp>
+            <a:pPr marL="0" indent="0">
+              <a:buNone/>
+            </a:pPr>
+            <a:endParaRPr lang="en-US" dirty="0">
+              <a:ea typeface="+mj-lt"/>
+              <a:cs typeface="+mj-lt"/>
+            </a:endParaRPr>
+          </a:p>
+          <a:p>
+            <a:pPr>
+              <a:buClr>
+                <a:srgbClr val="8AD0D6"/>
+              </a:buClr>
+            </a:pPr>
+            <a:r>
+              <a:rPr lang="en-US" dirty="0" err="1">
+                <a:ea typeface="+mj-lt"/>
+                <a:cs typeface="+mj-lt"/>
+              </a:rPr>
+              <a:t>GloVe</a:t>
+            </a:r>
+            <a:r>
+              <a:rPr lang="en-US" dirty="0">
+                <a:ea typeface="+mj-lt"/>
+                <a:cs typeface="+mj-lt"/>
+              </a:rPr>
+              <a:t> is essentially a log-bilinear model with a weighted least-squares objective.</a:t>
+            </a:r>
+          </a:p>
+          <a:p>
+            <a:pPr>
+              <a:buClr>
+                <a:srgbClr val="8AD0D6"/>
+              </a:buClr>
+            </a:pPr>
+            <a:r>
+              <a:rPr lang="en-US" dirty="0">
+                <a:ea typeface="+mj-lt"/>
+                <a:cs typeface="+mj-lt"/>
+              </a:rPr>
+              <a:t>Intuition – Ratios of word-word co-occurrence probabilities have the potential for encoding some form of meaning</a:t>
+            </a:r>
+          </a:p>
+          <a:p>
+            <a:pPr>
+              <a:buClr>
+                <a:srgbClr val="8AD0D6"/>
+              </a:buClr>
+            </a:pPr>
+            <a:endParaRPr lang="en-US" dirty="0">
+              <a:ea typeface="+mj-lt"/>
+              <a:cs typeface="+mj-lt"/>
+            </a:endParaRPr>
+          </a:p>
+          <a:p>
+            <a:pPr>
+              <a:buClr>
+                <a:srgbClr val="8AD0D6"/>
+              </a:buClr>
+            </a:pPr>
+            <a:endParaRPr lang="en-US" dirty="0">
+              <a:ea typeface="+mj-lt"/>
+              <a:cs typeface="+mj-lt"/>
+            </a:endParaRPr>
+          </a:p>
+        </p:txBody>
+      </p:sp>
+      <p:pic>
+        <p:nvPicPr>
+          <p:cNvPr id="4" name="Picture 4">
+            <a:extLst>
+              <a:ext uri="{FF2B5EF4-FFF2-40B4-BE49-F238E27FC236}">
+                <a16:creationId xmlns:a16="http://schemas.microsoft.com/office/drawing/2014/main" id="{1D90D9C1-0B09-4243-9D71-D9F6A2A7BD4E}"/>
+              </a:ext>
+            </a:extLst>
+          </p:cNvPr>
+          <p:cNvPicPr>
+            <a:picLocks noChangeAspect="1"/>
+          </p:cNvPicPr>
+          <p:nvPr/>
+        </p:nvPicPr>
+        <p:blipFill>
+          <a:blip r:embed="rId2"/>
+          <a:stretch>
+            <a:fillRect/>
+          </a:stretch>
+        </p:blipFill>
+        <p:spPr>
+          <a:xfrm>
+            <a:off x="1100253" y="4277952"/>
+            <a:ext cx="9322419" cy="2139973"/>
+          </a:xfrm>
+          <a:prstGeom prst="rect">
+            <a:avLst/>
+          </a:prstGeom>
+        </p:spPr>
+      </p:pic>
     </p:spTree>
     <p:extLst>
       <p:ext uri="{BB962C8B-B14F-4D97-AF65-F5344CB8AC3E}">
@@ -6320,7 +6432,7 @@
           <p:cNvPr id="2" name="Title 1">
             <a:extLst>
               <a:ext uri="{FF2B5EF4-FFF2-40B4-BE49-F238E27FC236}">
-                <a16:creationId xmlns:a16="http://schemas.microsoft.com/office/drawing/2014/main" id="{A53AD258-04B4-4DD4-B577-103092834317}"/>
+                <a16:creationId xmlns:a16="http://schemas.microsoft.com/office/drawing/2014/main" id="{A63AA8E8-F46E-43E9-9D5B-E2D915925EC7}"/>
               </a:ext>
             </a:extLst>
           </p:cNvPr>
@@ -6333,62 +6445,83 @@
         </p:nvSpPr>
         <p:spPr/>
         <p:txBody>
-          <a:bodyPr/>
-          <a:lstStyle/>
-          <a:p>
-            <a:r>
-              <a:rPr lang="en-IN"/>
-              <a:t>Glove at a Glance </a:t>
-            </a:r>
-          </a:p>
-        </p:txBody>
-      </p:sp>
-      <p:sp>
-        <p:nvSpPr>
-          <p:cNvPr id="3" name="Content Placeholder 2">
+          <a:bodyPr vert="horz" lIns="91440" tIns="45720" rIns="91440" bIns="45720" rtlCol="0" anchor="ctr">
+            <a:noAutofit/>
+          </a:bodyPr>
+          <a:lstStyle/>
+          <a:p>
+            <a:pPr algn="ctr"/>
+            <a:r>
+              <a:rPr lang="en-US" dirty="0"/>
+              <a:t>Cost function</a:t>
+            </a:r>
+          </a:p>
+        </p:txBody>
+      </p:sp>
+      <p:pic>
+        <p:nvPicPr>
+          <p:cNvPr id="5" name="Picture 5" descr="Text&#10;&#10;Description automatically generated">
             <a:extLst>
               <a:ext uri="{FF2B5EF4-FFF2-40B4-BE49-F238E27FC236}">
-                <a16:creationId xmlns:a16="http://schemas.microsoft.com/office/drawing/2014/main" id="{D243D2C9-3BF7-4464-B490-17750004664C}"/>
+                <a16:creationId xmlns:a16="http://schemas.microsoft.com/office/drawing/2014/main" id="{7FEC2371-6B15-4C70-8642-EA99B1B54ABD}"/>
               </a:ext>
             </a:extLst>
           </p:cNvPr>
-          <p:cNvSpPr>
-            <a:spLocks noGrp="1"/>
-          </p:cNvSpPr>
-          <p:nvPr>
-            <p:ph idx="1"/>
-          </p:nvPr>
-        </p:nvSpPr>
-        <p:spPr/>
-        <p:txBody>
-          <a:bodyPr vert="horz" lIns="91440" tIns="45720" rIns="91440" bIns="45720" rtlCol="0" anchor="t">
-            <a:normAutofit/>
-          </a:bodyPr>
-          <a:lstStyle/>
-          <a:p>
-            <a:r>
-              <a:rPr lang="en-US"/>
-              <a:t>Log-bilinear model with a weighted least-squares objective</a:t>
-            </a:r>
-          </a:p>
-          <a:p>
-            <a:r>
-              <a:rPr lang="en-US"/>
-              <a:t>Ratios of word-word co-occurrence probabilities have the potential for encoding some form of meaning which can be encoded as vector differences</a:t>
-            </a:r>
-          </a:p>
-          <a:p>
-            <a:r>
-              <a:rPr lang="en-US"/>
-              <a:t>Creates the word vectors that perform well on both word analogy tasks and on similarity tasks and named entity recognition</a:t>
-            </a:r>
-          </a:p>
-        </p:txBody>
-      </p:sp>
+          <p:cNvPicPr>
+            <a:picLocks noChangeAspect="1"/>
+          </p:cNvPicPr>
+          <p:nvPr/>
+        </p:nvPicPr>
+        <p:blipFill>
+          <a:blip r:embed="rId2"/>
+          <a:stretch>
+            <a:fillRect/>
+          </a:stretch>
+        </p:blipFill>
+        <p:spPr>
+          <a:xfrm>
+            <a:off x="1676400" y="2018127"/>
+            <a:ext cx="7386690" cy="1701200"/>
+          </a:xfrm>
+          <a:prstGeom prst="rect">
+            <a:avLst/>
+          </a:prstGeom>
+        </p:spPr>
+      </p:pic>
+      <p:pic>
+        <p:nvPicPr>
+          <p:cNvPr id="6" name="Picture 6" descr="A picture containing text, clock, watch, gauge&#10;&#10;Description automatically generated">
+            <a:extLst>
+              <a:ext uri="{FF2B5EF4-FFF2-40B4-BE49-F238E27FC236}">
+                <a16:creationId xmlns:a16="http://schemas.microsoft.com/office/drawing/2014/main" id="{C09BD050-383F-44CE-8773-7208B9817F79}"/>
+              </a:ext>
+            </a:extLst>
+          </p:cNvPr>
+          <p:cNvPicPr>
+            <a:picLocks noChangeAspect="1"/>
+          </p:cNvPicPr>
+          <p:nvPr/>
+        </p:nvPicPr>
+        <p:blipFill>
+          <a:blip r:embed="rId3"/>
+          <a:stretch>
+            <a:fillRect/>
+          </a:stretch>
+        </p:blipFill>
+        <p:spPr>
+          <a:xfrm>
+            <a:off x="3129516" y="4393341"/>
+            <a:ext cx="4434213" cy="1036297"/>
+          </a:xfrm>
+          <a:prstGeom prst="rect">
+            <a:avLst/>
+          </a:prstGeom>
+        </p:spPr>
+      </p:pic>
     </p:spTree>
     <p:extLst>
       <p:ext uri="{BB962C8B-B14F-4D97-AF65-F5344CB8AC3E}">
-        <p14:creationId xmlns:p14="http://schemas.microsoft.com/office/powerpoint/2010/main" val="2843492181"/>
+        <p14:creationId xmlns:p14="http://schemas.microsoft.com/office/powerpoint/2010/main" val="2528048751"/>
       </p:ext>
     </p:extLst>
   </p:cSld>
@@ -6420,7 +6553,7 @@
           <p:cNvPr id="2" name="Title 1">
             <a:extLst>
               <a:ext uri="{FF2B5EF4-FFF2-40B4-BE49-F238E27FC236}">
-                <a16:creationId xmlns:a16="http://schemas.microsoft.com/office/drawing/2014/main" id="{A63AA8E8-F46E-43E9-9D5B-E2D915925EC7}"/>
+                <a16:creationId xmlns:a16="http://schemas.microsoft.com/office/drawing/2014/main" id="{1B2C0F5C-078C-4705-A371-7E44161F4056}"/>
               </a:ext>
             </a:extLst>
           </p:cNvPr>
@@ -6433,109 +6566,72 @@
         </p:nvSpPr>
         <p:spPr/>
         <p:txBody>
-          <a:bodyPr/>
-          <a:lstStyle/>
-          <a:p>
-            <a:r>
-              <a:rPr lang="en-US"/>
-              <a:t>Cost function</a:t>
-            </a:r>
-          </a:p>
-        </p:txBody>
-      </p:sp>
-      <p:pic>
-        <p:nvPicPr>
-          <p:cNvPr id="4" name="Picture 4">
+          <a:bodyPr vert="horz" lIns="91440" tIns="45720" rIns="91440" bIns="45720" rtlCol="0" anchor="ctr">
+            <a:noAutofit/>
+          </a:bodyPr>
+          <a:lstStyle/>
+          <a:p>
+            <a:pPr algn="ctr"/>
+            <a:r>
+              <a:rPr lang="en-IN" dirty="0"/>
+              <a:t>Properties of </a:t>
+            </a:r>
+            <a:r>
+              <a:rPr lang="en-IN" dirty="0" err="1"/>
+              <a:t>GloVe</a:t>
+            </a:r>
+            <a:endParaRPr lang="en-US" dirty="0" err="1"/>
+          </a:p>
+        </p:txBody>
+      </p:sp>
+      <p:sp>
+        <p:nvSpPr>
+          <p:cNvPr id="3" name="Content Placeholder 2">
             <a:extLst>
               <a:ext uri="{FF2B5EF4-FFF2-40B4-BE49-F238E27FC236}">
-                <a16:creationId xmlns:a16="http://schemas.microsoft.com/office/drawing/2014/main" id="{A1338FF3-5EEF-4DD7-B15B-181EC11E9F31}"/>
+                <a16:creationId xmlns:a16="http://schemas.microsoft.com/office/drawing/2014/main" id="{26773BC2-D6CC-4E09-856F-D8F75B6ED4BB}"/>
               </a:ext>
             </a:extLst>
           </p:cNvPr>
-          <p:cNvPicPr>
-            <a:picLocks noGrp="1" noChangeAspect="1"/>
-          </p:cNvPicPr>
+          <p:cNvSpPr>
+            <a:spLocks noGrp="1"/>
+          </p:cNvSpPr>
           <p:nvPr>
             <p:ph idx="1"/>
           </p:nvPr>
-        </p:nvPicPr>
-        <p:blipFill>
-          <a:blip r:embed="rId2"/>
-          <a:stretch>
-            <a:fillRect/>
-          </a:stretch>
-        </p:blipFill>
-        <p:spPr>
-          <a:xfrm>
-            <a:off x="1628470" y="2150408"/>
-            <a:ext cx="3781425" cy="914400"/>
-          </a:xfrm>
-        </p:spPr>
-      </p:pic>
-      <p:pic>
-        <p:nvPicPr>
-          <p:cNvPr id="5" name="Picture 5" descr="Text&#10;&#10;Description automatically generated">
-            <a:extLst>
-              <a:ext uri="{FF2B5EF4-FFF2-40B4-BE49-F238E27FC236}">
-                <a16:creationId xmlns:a16="http://schemas.microsoft.com/office/drawing/2014/main" id="{7FEC2371-6B15-4C70-8642-EA99B1B54ABD}"/>
-              </a:ext>
-            </a:extLst>
-          </p:cNvPr>
-          <p:cNvPicPr>
-            <a:picLocks noChangeAspect="1"/>
-          </p:cNvPicPr>
-          <p:nvPr/>
-        </p:nvPicPr>
-        <p:blipFill>
-          <a:blip r:embed="rId3"/>
-          <a:stretch>
-            <a:fillRect/>
-          </a:stretch>
-        </p:blipFill>
-        <p:spPr>
-          <a:xfrm>
-            <a:off x="1676400" y="3329476"/>
-            <a:ext cx="5091830" cy="992363"/>
-          </a:xfrm>
-          <a:prstGeom prst="rect">
-            <a:avLst/>
-          </a:prstGeom>
-        </p:spPr>
-      </p:pic>
-      <p:pic>
-        <p:nvPicPr>
-          <p:cNvPr id="6" name="Picture 6" descr="A picture containing text, clock, watch, gauge&#10;&#10;Description automatically generated">
-            <a:extLst>
-              <a:ext uri="{FF2B5EF4-FFF2-40B4-BE49-F238E27FC236}">
-                <a16:creationId xmlns:a16="http://schemas.microsoft.com/office/drawing/2014/main" id="{C09BD050-383F-44CE-8773-7208B9817F79}"/>
-              </a:ext>
-            </a:extLst>
-          </p:cNvPr>
-          <p:cNvPicPr>
-            <a:picLocks noChangeAspect="1"/>
-          </p:cNvPicPr>
-          <p:nvPr/>
-        </p:nvPicPr>
-        <p:blipFill>
-          <a:blip r:embed="rId4"/>
-          <a:stretch>
-            <a:fillRect/>
-          </a:stretch>
-        </p:blipFill>
-        <p:spPr>
-          <a:xfrm>
-            <a:off x="1676400" y="4570550"/>
-            <a:ext cx="4434213" cy="1036297"/>
-          </a:xfrm>
-          <a:prstGeom prst="rect">
-            <a:avLst/>
-          </a:prstGeom>
-        </p:spPr>
-      </p:pic>
+        </p:nvSpPr>
+        <p:spPr/>
+        <p:txBody>
+          <a:bodyPr vert="horz" lIns="91440" tIns="45720" rIns="91440" bIns="45720" rtlCol="0" anchor="t">
+            <a:normAutofit/>
+          </a:bodyPr>
+          <a:lstStyle/>
+          <a:p>
+            <a:endParaRPr lang="en-US" dirty="0"/>
+          </a:p>
+          <a:p>
+            <a:r>
+              <a:rPr lang="en-IN" dirty="0"/>
+              <a:t>Nearest neighbours</a:t>
+            </a:r>
+          </a:p>
+          <a:p>
+            <a:pPr>
+              <a:buClr>
+                <a:srgbClr val="8AD0D6"/>
+              </a:buClr>
+            </a:pPr>
+            <a:r>
+              <a:rPr lang="en-IN" dirty="0"/>
+              <a:t>Linear substructures</a:t>
+            </a:r>
+          </a:p>
+        </p:txBody>
+      </p:sp>
     </p:spTree>
     <p:extLst>
       <p:ext uri="{BB962C8B-B14F-4D97-AF65-F5344CB8AC3E}">
-        <p14:creationId xmlns:p14="http://schemas.microsoft.com/office/powerpoint/2010/main" val="2528048751"/>
+        <p14:creationId xmlns:p14="http://schemas.microsoft.com/office/powerpoint/2010/main" val="1582722336"/>
       </p:ext>
     </p:extLst>
   </p:cSld>
@@ -6567,6 +6663,561 @@
           <p:cNvPr id="2" name="Title 1">
             <a:extLst>
               <a:ext uri="{FF2B5EF4-FFF2-40B4-BE49-F238E27FC236}">
+                <a16:creationId xmlns:a16="http://schemas.microsoft.com/office/drawing/2014/main" id="{1B2C0F5C-078C-4705-A371-7E44161F4056}"/>
+              </a:ext>
+            </a:extLst>
+          </p:cNvPr>
+          <p:cNvSpPr>
+            <a:spLocks noGrp="1"/>
+          </p:cNvSpPr>
+          <p:nvPr>
+            <p:ph type="title"/>
+          </p:nvPr>
+        </p:nvSpPr>
+        <p:spPr/>
+        <p:txBody>
+          <a:bodyPr/>
+          <a:lstStyle/>
+          <a:p>
+            <a:pPr>
+              <a:spcBef>
+                <a:spcPts val="1000"/>
+              </a:spcBef>
+            </a:pPr>
+            <a:r>
+              <a:rPr lang="en-IN" dirty="0">
+                <a:ea typeface="+mj-lt"/>
+                <a:cs typeface="+mj-lt"/>
+              </a:rPr>
+              <a:t>Nearest Neighbours</a:t>
+            </a:r>
+            <a:endParaRPr lang="en-US" dirty="0">
+              <a:ea typeface="+mj-lt"/>
+              <a:cs typeface="+mj-lt"/>
+            </a:endParaRPr>
+          </a:p>
+          <a:p>
+            <a:endParaRPr lang="en-IN" dirty="0"/>
+          </a:p>
+        </p:txBody>
+      </p:sp>
+      <p:sp>
+        <p:nvSpPr>
+          <p:cNvPr id="3" name="Content Placeholder 2">
+            <a:extLst>
+              <a:ext uri="{FF2B5EF4-FFF2-40B4-BE49-F238E27FC236}">
+                <a16:creationId xmlns:a16="http://schemas.microsoft.com/office/drawing/2014/main" id="{26773BC2-D6CC-4E09-856F-D8F75B6ED4BB}"/>
+              </a:ext>
+            </a:extLst>
+          </p:cNvPr>
+          <p:cNvSpPr>
+            <a:spLocks noGrp="1"/>
+          </p:cNvSpPr>
+          <p:nvPr>
+            <p:ph idx="1"/>
+          </p:nvPr>
+        </p:nvSpPr>
+        <p:spPr>
+          <a:xfrm>
+            <a:off x="1103312" y="2052918"/>
+            <a:ext cx="8946541" cy="1377854"/>
+          </a:xfrm>
+        </p:spPr>
+        <p:txBody>
+          <a:bodyPr vert="horz" lIns="91440" tIns="45720" rIns="91440" bIns="45720" rtlCol="0" anchor="t">
+            <a:normAutofit/>
+          </a:bodyPr>
+          <a:lstStyle/>
+          <a:p>
+            <a:endParaRPr lang="en-US" dirty="0"/>
+          </a:p>
+          <a:p>
+            <a:r>
+              <a:rPr lang="en-IN" dirty="0"/>
+              <a:t>T</a:t>
+            </a:r>
+            <a:r>
+              <a:rPr lang="en-IN" dirty="0">
+                <a:ea typeface="+mj-lt"/>
+                <a:cs typeface="+mj-lt"/>
+              </a:rPr>
+              <a:t>he Euclidean distance between two word vectors is a measure of  semantic similarity of the corresponding words.</a:t>
+            </a:r>
+          </a:p>
+          <a:p>
+            <a:pPr>
+              <a:buClr>
+                <a:srgbClr val="8AD0D6"/>
+              </a:buClr>
+            </a:pPr>
+            <a:endParaRPr lang="en-IN" dirty="0"/>
+          </a:p>
+        </p:txBody>
+      </p:sp>
+      <p:pic>
+        <p:nvPicPr>
+          <p:cNvPr id="4" name="Picture 4">
+            <a:extLst>
+              <a:ext uri="{FF2B5EF4-FFF2-40B4-BE49-F238E27FC236}">
+                <a16:creationId xmlns:a16="http://schemas.microsoft.com/office/drawing/2014/main" id="{CC7D5DD7-9BF0-459D-BF0D-D5F60225D0AD}"/>
+              </a:ext>
+            </a:extLst>
+          </p:cNvPr>
+          <p:cNvPicPr>
+            <a:picLocks noChangeAspect="1"/>
+          </p:cNvPicPr>
+          <p:nvPr/>
+        </p:nvPicPr>
+        <p:blipFill>
+          <a:blip r:embed="rId2"/>
+          <a:stretch>
+            <a:fillRect/>
+          </a:stretch>
+        </p:blipFill>
+        <p:spPr>
+          <a:xfrm>
+            <a:off x="1070863" y="3945685"/>
+            <a:ext cx="9090102" cy="2158557"/>
+          </a:xfrm>
+          <a:prstGeom prst="rect">
+            <a:avLst/>
+          </a:prstGeom>
+        </p:spPr>
+      </p:pic>
+    </p:spTree>
+    <p:extLst>
+      <p:ext uri="{BB962C8B-B14F-4D97-AF65-F5344CB8AC3E}">
+        <p14:creationId xmlns:p14="http://schemas.microsoft.com/office/powerpoint/2010/main" val="2310365952"/>
+      </p:ext>
+    </p:extLst>
+  </p:cSld>
+  <p:clrMapOvr>
+    <a:masterClrMapping/>
+  </p:clrMapOvr>
+</p:sld>
+</file>
+
+<file path=ppt/slides/slide7.xml><?xml version="1.0" encoding="utf-8"?>
+<p:sld xmlns:a="http://schemas.openxmlformats.org/drawingml/2006/main" xmlns:r="http://schemas.openxmlformats.org/officeDocument/2006/relationships" xmlns:p="http://schemas.openxmlformats.org/presentationml/2006/main">
+  <p:cSld>
+    <p:spTree>
+      <p:nvGrpSpPr>
+        <p:cNvPr id="1" name=""/>
+        <p:cNvGrpSpPr/>
+        <p:nvPr/>
+      </p:nvGrpSpPr>
+      <p:grpSpPr>
+        <a:xfrm>
+          <a:off x="0" y="0"/>
+          <a:ext cx="0" cy="0"/>
+          <a:chOff x="0" y="0"/>
+          <a:chExt cx="0" cy="0"/>
+        </a:xfrm>
+      </p:grpSpPr>
+      <p:sp>
+        <p:nvSpPr>
+          <p:cNvPr id="2" name="Title 1">
+            <a:extLst>
+              <a:ext uri="{FF2B5EF4-FFF2-40B4-BE49-F238E27FC236}">
+                <a16:creationId xmlns:a16="http://schemas.microsoft.com/office/drawing/2014/main" id="{1B2C0F5C-078C-4705-A371-7E44161F4056}"/>
+              </a:ext>
+            </a:extLst>
+          </p:cNvPr>
+          <p:cNvSpPr>
+            <a:spLocks noGrp="1"/>
+          </p:cNvSpPr>
+          <p:nvPr>
+            <p:ph type="title"/>
+          </p:nvPr>
+        </p:nvSpPr>
+        <p:spPr>
+          <a:xfrm>
+            <a:off x="876483" y="683090"/>
+            <a:ext cx="9404723" cy="1400530"/>
+          </a:xfrm>
+        </p:spPr>
+        <p:txBody>
+          <a:bodyPr vert="horz" lIns="91440" tIns="45720" rIns="91440" bIns="45720" rtlCol="0" anchor="ctr">
+            <a:noAutofit/>
+          </a:bodyPr>
+          <a:lstStyle/>
+          <a:p>
+            <a:pPr algn="ctr">
+              <a:spcBef>
+                <a:spcPts val="1000"/>
+              </a:spcBef>
+            </a:pPr>
+            <a:r>
+              <a:rPr lang="en-IN" dirty="0">
+                <a:ea typeface="+mj-lt"/>
+                <a:cs typeface="+mj-lt"/>
+              </a:rPr>
+              <a:t>Linear Substructures</a:t>
+            </a:r>
+            <a:endParaRPr lang="en-US" dirty="0"/>
+          </a:p>
+        </p:txBody>
+      </p:sp>
+      <p:sp>
+        <p:nvSpPr>
+          <p:cNvPr id="3" name="Content Placeholder 2">
+            <a:extLst>
+              <a:ext uri="{FF2B5EF4-FFF2-40B4-BE49-F238E27FC236}">
+                <a16:creationId xmlns:a16="http://schemas.microsoft.com/office/drawing/2014/main" id="{26773BC2-D6CC-4E09-856F-D8F75B6ED4BB}"/>
+              </a:ext>
+            </a:extLst>
+          </p:cNvPr>
+          <p:cNvSpPr>
+            <a:spLocks noGrp="1"/>
+          </p:cNvSpPr>
+          <p:nvPr>
+            <p:ph idx="1"/>
+          </p:nvPr>
+        </p:nvSpPr>
+        <p:spPr/>
+        <p:txBody>
+          <a:bodyPr vert="horz" lIns="91440" tIns="45720" rIns="91440" bIns="45720" rtlCol="0" anchor="t">
+            <a:normAutofit/>
+          </a:bodyPr>
+          <a:lstStyle/>
+          <a:p>
+            <a:endParaRPr lang="en-US" dirty="0"/>
+          </a:p>
+          <a:p>
+            <a:r>
+              <a:rPr lang="en-US" dirty="0">
+                <a:ea typeface="+mj-lt"/>
+                <a:cs typeface="+mj-lt"/>
+              </a:rPr>
+              <a:t>Nearest neighbor evaluations produce single scalar that quantifies the relatedness of two words.</a:t>
+            </a:r>
+          </a:p>
+          <a:p>
+            <a:pPr>
+              <a:buClr>
+                <a:srgbClr val="8AD0D6"/>
+              </a:buClr>
+            </a:pPr>
+            <a:r>
+              <a:rPr lang="en-US" dirty="0">
+                <a:ea typeface="+mj-lt"/>
+                <a:cs typeface="+mj-lt"/>
+              </a:rPr>
+              <a:t> Problematic since two given words almost always exhibit more intricate relationships.</a:t>
+            </a:r>
+          </a:p>
+          <a:p>
+            <a:pPr>
+              <a:buClr>
+                <a:srgbClr val="8AD0D6"/>
+              </a:buClr>
+            </a:pPr>
+            <a:r>
+              <a:rPr lang="en-US" dirty="0">
+                <a:ea typeface="+mj-lt"/>
+                <a:cs typeface="+mj-lt"/>
+              </a:rPr>
+              <a:t>A natural and simple candidate for an enlarged set of discriminative numbers is the vector difference between the two word vectors.</a:t>
+            </a:r>
+            <a:endParaRPr lang="en-US" dirty="0"/>
+          </a:p>
+          <a:p>
+            <a:pPr>
+              <a:buClr>
+                <a:srgbClr val="8AD0D6"/>
+              </a:buClr>
+            </a:pPr>
+            <a:r>
+              <a:rPr lang="en-US" dirty="0" err="1">
+                <a:ea typeface="+mj-lt"/>
+                <a:cs typeface="+mj-lt"/>
+              </a:rPr>
+              <a:t>GloVe</a:t>
+            </a:r>
+            <a:r>
+              <a:rPr lang="en-US" dirty="0">
+                <a:ea typeface="+mj-lt"/>
+                <a:cs typeface="+mj-lt"/>
+              </a:rPr>
+              <a:t> is designed in order that such vector differences capture as much as possible the meaning specified by the juxtaposition of two words</a:t>
+            </a:r>
+            <a:endParaRPr lang="en-US" dirty="0"/>
+          </a:p>
+          <a:p>
+            <a:pPr>
+              <a:buClr>
+                <a:srgbClr val="8AD0D6"/>
+              </a:buClr>
+            </a:pPr>
+            <a:endParaRPr lang="en-IN" dirty="0"/>
+          </a:p>
+        </p:txBody>
+      </p:sp>
+    </p:spTree>
+    <p:extLst>
+      <p:ext uri="{BB962C8B-B14F-4D97-AF65-F5344CB8AC3E}">
+        <p14:creationId xmlns:p14="http://schemas.microsoft.com/office/powerpoint/2010/main" val="334217431"/>
+      </p:ext>
+    </p:extLst>
+  </p:cSld>
+  <p:clrMapOvr>
+    <a:masterClrMapping/>
+  </p:clrMapOvr>
+</p:sld>
+</file>
+
+<file path=ppt/slides/slide8.xml><?xml version="1.0" encoding="utf-8"?>
+<p:sld xmlns:a="http://schemas.openxmlformats.org/drawingml/2006/main" xmlns:r="http://schemas.openxmlformats.org/officeDocument/2006/relationships" xmlns:p="http://schemas.openxmlformats.org/presentationml/2006/main">
+  <p:cSld>
+    <p:bg>
+      <p:bgPr>
+        <a:blipFill rotWithShape="1">
+          <a:blip r:embed="rId2">
+            <a:duotone>
+              <a:schemeClr val="bg2">
+                <a:shade val="69000"/>
+                <a:hueMod val="108000"/>
+                <a:satMod val="164000"/>
+                <a:lumMod val="74000"/>
+              </a:schemeClr>
+              <a:schemeClr val="bg2">
+                <a:tint val="96000"/>
+                <a:hueMod val="88000"/>
+                <a:satMod val="140000"/>
+                <a:lumMod val="132000"/>
+              </a:schemeClr>
+            </a:duotone>
+          </a:blip>
+          <a:stretch/>
+        </a:blipFill>
+        <a:effectLst/>
+      </p:bgPr>
+    </p:bg>
+    <p:spTree>
+      <p:nvGrpSpPr>
+        <p:cNvPr id="1" name=""/>
+        <p:cNvGrpSpPr/>
+        <p:nvPr/>
+      </p:nvGrpSpPr>
+      <p:grpSpPr>
+        <a:xfrm>
+          <a:off x="0" y="0"/>
+          <a:ext cx="0" cy="0"/>
+          <a:chOff x="0" y="0"/>
+          <a:chExt cx="0" cy="0"/>
+        </a:xfrm>
+      </p:grpSpPr>
+      <p:pic>
+        <p:nvPicPr>
+          <p:cNvPr id="4" name="Picture 4">
+            <a:extLst>
+              <a:ext uri="{FF2B5EF4-FFF2-40B4-BE49-F238E27FC236}">
+                <a16:creationId xmlns:a16="http://schemas.microsoft.com/office/drawing/2014/main" id="{53D4C85F-3FAB-4673-9D70-851874FFFB76}"/>
+              </a:ext>
+            </a:extLst>
+          </p:cNvPr>
+          <p:cNvPicPr>
+            <a:picLocks noGrp="1" noChangeAspect="1"/>
+          </p:cNvPicPr>
+          <p:nvPr>
+            <p:ph idx="1"/>
+          </p:nvPr>
+        </p:nvPicPr>
+        <p:blipFill rotWithShape="1">
+          <a:blip r:embed="rId3"/>
+          <a:srcRect l="4826" r="2" b="2"/>
+          <a:stretch/>
+        </p:blipFill>
+        <p:spPr>
+          <a:xfrm>
+            <a:off x="4619544" y="609601"/>
+            <a:ext cx="6924756" cy="5638797"/>
+          </a:xfrm>
+          <a:prstGeom prst="rect">
+            <a:avLst/>
+          </a:prstGeom>
+          <a:effectLst>
+            <a:outerShdw blurRad="50800" dist="38100" dir="5400000" algn="t" rotWithShape="0">
+              <a:prstClr val="black">
+                <a:alpha val="43000"/>
+              </a:prstClr>
+            </a:outerShdw>
+          </a:effectLst>
+        </p:spPr>
+      </p:pic>
+      <p:sp>
+        <p:nvSpPr>
+          <p:cNvPr id="21" name="Rectangle 20">
+            <a:extLst>
+              <a:ext uri="{FF2B5EF4-FFF2-40B4-BE49-F238E27FC236}">
+                <a16:creationId xmlns:a16="http://schemas.microsoft.com/office/drawing/2014/main" id="{A93A089E-0A16-452C-B341-0F769780D262}"/>
+              </a:ext>
+              <a:ext uri="{C183D7F6-B498-43B3-948B-1728B52AA6E4}">
+                <adec:decorative xmlns:adec="http://schemas.microsoft.com/office/drawing/2017/decorative" val="1"/>
+              </a:ext>
+            </a:extLst>
+          </p:cNvPr>
+          <p:cNvSpPr>
+            <a:spLocks noGrp="1" noRot="1" noChangeAspect="1" noMove="1" noResize="1" noEditPoints="1" noAdjustHandles="1" noChangeArrowheads="1" noChangeShapeType="1" noTextEdit="1"/>
+          </p:cNvSpPr>
+          <p:nvPr>
+            <p:extLst>
+              <p:ext uri="{386F3935-93C4-4BCD-93E2-E3B085C9AB24}">
+                <p16:designElem xmlns:p16="http://schemas.microsoft.com/office/powerpoint/2015/main" val="1"/>
+              </p:ext>
+            </p:extLst>
+          </p:nvPr>
+        </p:nvSpPr>
+        <p:spPr>
+          <a:xfrm>
+            <a:off x="10442448" y="0"/>
+            <a:ext cx="685800" cy="1143000"/>
+          </a:xfrm>
+          <a:prstGeom prst="rect">
+            <a:avLst/>
+          </a:prstGeom>
+          <a:solidFill>
+            <a:schemeClr val="accent1"/>
+          </a:solidFill>
+          <a:ln>
+            <a:noFill/>
+          </a:ln>
+        </p:spPr>
+        <p:style>
+          <a:lnRef idx="1">
+            <a:schemeClr val="accent1"/>
+          </a:lnRef>
+          <a:fillRef idx="3">
+            <a:schemeClr val="accent1"/>
+          </a:fillRef>
+          <a:effectRef idx="2">
+            <a:schemeClr val="accent1"/>
+          </a:effectRef>
+          <a:fontRef idx="minor">
+            <a:schemeClr val="lt1"/>
+          </a:fontRef>
+        </p:style>
+      </p:sp>
+      <p:sp>
+        <p:nvSpPr>
+          <p:cNvPr id="5" name="TextBox 4">
+            <a:extLst>
+              <a:ext uri="{FF2B5EF4-FFF2-40B4-BE49-F238E27FC236}">
+                <a16:creationId xmlns:a16="http://schemas.microsoft.com/office/drawing/2014/main" id="{99D042BB-2388-4E02-9E6A-8B0F85F59583}"/>
+              </a:ext>
+            </a:extLst>
+          </p:cNvPr>
+          <p:cNvSpPr txBox="1"/>
+          <p:nvPr/>
+        </p:nvSpPr>
+        <p:spPr>
+          <a:xfrm>
+            <a:off x="647701" y="1401727"/>
+            <a:ext cx="3324141" cy="3809998"/>
+          </a:xfrm>
+          <a:prstGeom prst="rect">
+            <a:avLst/>
+          </a:prstGeom>
+        </p:spPr>
+        <p:txBody>
+          <a:bodyPr rot="0" spcFirstLastPara="0" vertOverflow="overflow" horzOverflow="overflow" vert="horz" lIns="91440" tIns="45720" rIns="91440" bIns="45720" numCol="1" spcCol="0" rtlCol="0" fromWordArt="0" anchorCtr="0" forceAA="0" compatLnSpc="1">
+            <a:prstTxWarp prst="textNoShape">
+              <a:avLst/>
+            </a:prstTxWarp>
+            <a:normAutofit/>
+          </a:bodyPr>
+          <a:lstStyle/>
+          <a:p>
+            <a:pPr>
+              <a:lnSpc>
+                <a:spcPct val="90000"/>
+              </a:lnSpc>
+              <a:spcBef>
+                <a:spcPts val="1000"/>
+              </a:spcBef>
+              <a:buClr>
+                <a:schemeClr val="bg2">
+                  <a:lumMod val="40000"/>
+                  <a:lumOff val="60000"/>
+                </a:schemeClr>
+              </a:buClr>
+              <a:buSzPct val="80000"/>
+              <a:buFont typeface="Wingdings 3" charset="2"/>
+              <a:buChar char=""/>
+            </a:pPr>
+            <a:r>
+              <a:rPr lang="en-US" dirty="0">
+                <a:latin typeface="+mj-lt"/>
+                <a:ea typeface="+mj-ea"/>
+                <a:cs typeface="+mj-cs"/>
+              </a:rPr>
+              <a:t> The underlying concept that distinguishes man from woman, i.e. sex or gender, may be equivalently specified by various other word pairs, such as king and queen or brother and sister.</a:t>
+            </a:r>
+          </a:p>
+          <a:p>
+            <a:pPr>
+              <a:lnSpc>
+                <a:spcPct val="90000"/>
+              </a:lnSpc>
+              <a:spcBef>
+                <a:spcPts val="1000"/>
+              </a:spcBef>
+              <a:buClr>
+                <a:schemeClr val="bg2">
+                  <a:lumMod val="40000"/>
+                  <a:lumOff val="60000"/>
+                </a:schemeClr>
+              </a:buClr>
+              <a:buSzPct val="80000"/>
+              <a:buFont typeface="Wingdings 3" charset="2"/>
+              <a:buChar char=""/>
+            </a:pPr>
+            <a:r>
+              <a:rPr lang="en-US" dirty="0">
+                <a:latin typeface="+mj-lt"/>
+                <a:ea typeface="+mj-ea"/>
+                <a:cs typeface="+mj-cs"/>
+              </a:rPr>
+              <a:t> The vector differences man - woman, king - queen, and brother - sister might all be roughly equal.</a:t>
+            </a:r>
+          </a:p>
+        </p:txBody>
+      </p:sp>
+    </p:spTree>
+    <p:extLst>
+      <p:ext uri="{BB962C8B-B14F-4D97-AF65-F5344CB8AC3E}">
+        <p14:creationId xmlns:p14="http://schemas.microsoft.com/office/powerpoint/2010/main" val="111678318"/>
+      </p:ext>
+    </p:extLst>
+  </p:cSld>
+  <p:clrMapOvr>
+    <a:masterClrMapping/>
+  </p:clrMapOvr>
+</p:sld>
+</file>
+
+<file path=ppt/slides/slide9.xml><?xml version="1.0" encoding="utf-8"?>
+<p:sld xmlns:a="http://schemas.openxmlformats.org/drawingml/2006/main" xmlns:r="http://schemas.openxmlformats.org/officeDocument/2006/relationships" xmlns:p="http://schemas.openxmlformats.org/presentationml/2006/main">
+  <p:cSld>
+    <p:spTree>
+      <p:nvGrpSpPr>
+        <p:cNvPr id="1" name=""/>
+        <p:cNvGrpSpPr/>
+        <p:nvPr/>
+      </p:nvGrpSpPr>
+      <p:grpSpPr>
+        <a:xfrm>
+          <a:off x="0" y="0"/>
+          <a:ext cx="0" cy="0"/>
+          <a:chOff x="0" y="0"/>
+          <a:chExt cx="0" cy="0"/>
+        </a:xfrm>
+      </p:grpSpPr>
+      <p:sp>
+        <p:nvSpPr>
+          <p:cNvPr id="2" name="Title 1">
+            <a:extLst>
+              <a:ext uri="{FF2B5EF4-FFF2-40B4-BE49-F238E27FC236}">
                 <a16:creationId xmlns:a16="http://schemas.microsoft.com/office/drawing/2014/main" id="{867537EC-F2FB-4B26-AD2E-38689AA9D8D3}"/>
               </a:ext>
             </a:extLst>
@@ -6584,7 +7235,7 @@
           <a:lstStyle/>
           <a:p>
             <a:r>
-              <a:rPr lang="en-US"/>
+              <a:rPr lang="en-US" dirty="0"/>
               <a:t>Results</a:t>
             </a:r>
           </a:p>
@@ -6612,7 +7263,7 @@
           <a:lstStyle/>
           <a:p>
             <a:r>
-              <a:rPr lang="en-US"/>
+              <a:rPr lang="en-US" dirty="0"/>
               <a:t>Advantages</a:t>
             </a:r>
           </a:p>
@@ -6642,13 +7293,13 @@
           <a:lstStyle/>
           <a:p>
             <a:r>
-              <a:rPr lang="en-US">
+              <a:rPr lang="en-US" dirty="0">
                 <a:ea typeface="+mj-lt"/>
                 <a:cs typeface="+mj-lt"/>
               </a:rPr>
               <a:t>Fast training</a:t>
             </a:r>
-            <a:endParaRPr lang="en-US"/>
+            <a:endParaRPr lang="en-US" dirty="0"/>
           </a:p>
           <a:p>
             <a:pPr>
@@ -6657,28 +7308,13 @@
               </a:buClr>
             </a:pPr>
             <a:r>
-              <a:rPr lang="en-US">
-                <a:ea typeface="+mj-lt"/>
-                <a:cs typeface="+mj-lt"/>
-              </a:rPr>
-              <a:t>Scalable to huge corpora</a:t>
-            </a:r>
-            <a:endParaRPr lang="en-US"/>
-          </a:p>
-          <a:p>
-            <a:pPr>
-              <a:buClr>
-                <a:srgbClr val="8AD0D6"/>
-              </a:buClr>
-            </a:pPr>
-            <a:r>
-              <a:rPr lang="en-US">
+              <a:rPr lang="en-US" dirty="0">
                 <a:ea typeface="+mj-lt"/>
                 <a:cs typeface="+mj-lt"/>
               </a:rPr>
               <a:t>Good performance even with small corpus, and small vectors</a:t>
             </a:r>
-            <a:endParaRPr lang="en-US"/>
+            <a:endParaRPr lang="en-US" dirty="0"/>
           </a:p>
           <a:p>
             <a:pPr>
@@ -6689,14 +7325,14 @@
               <a:buChar char=""/>
             </a:pPr>
             <a:r>
-              <a:rPr lang="en-US">
+              <a:rPr lang="en-US" dirty="0">
                 <a:ea typeface="+mj-lt"/>
                 <a:cs typeface="+mj-lt"/>
               </a:rPr>
               <a:t>Early stopping. We can stop training when improvements become small.</a:t>
             </a:r>
             <a:br>
-              <a:rPr lang="en-US"/>
+              <a:rPr lang="en-US" dirty="0"/>
             </a:br>
             <a:endParaRPr lang="en-US"/>
           </a:p>
@@ -6724,7 +7360,7 @@
           <a:lstStyle/>
           <a:p>
             <a:r>
-              <a:rPr lang="en-US"/>
+              <a:rPr lang="en-US" dirty="0"/>
               <a:t>Disadvantages</a:t>
             </a:r>
           </a:p>
@@ -6754,13 +7390,13 @@
           <a:lstStyle/>
           <a:p>
             <a:r>
-              <a:rPr lang="en-US">
+              <a:rPr lang="en-US" dirty="0">
                 <a:ea typeface="+mj-lt"/>
                 <a:cs typeface="+mj-lt"/>
               </a:rPr>
               <a:t>Uses a lot of memory: the fastest way to construct a term-co-occurrence matrix is to keep it in RAM as a hash map and perform co-occurrence increments in a global manner</a:t>
             </a:r>
-            <a:endParaRPr lang="en-US"/>
+            <a:endParaRPr lang="en-US" dirty="0"/>
           </a:p>
           <a:p>
             <a:pPr>
@@ -6769,13 +7405,13 @@
               </a:buClr>
             </a:pPr>
             <a:r>
-              <a:rPr lang="en-US">
+              <a:rPr lang="en-US" dirty="0">
                 <a:ea typeface="+mj-lt"/>
                 <a:cs typeface="+mj-lt"/>
               </a:rPr>
               <a:t>Sometimes quite sensitive to initial learning rate</a:t>
             </a:r>
-            <a:endParaRPr lang="en-US"/>
+            <a:endParaRPr lang="en-US" dirty="0"/>
           </a:p>
         </p:txBody>
       </p:sp>
